--- a/programmingWindows_6.pptx
+++ b/programmingWindows_6.pptx
@@ -3476,7 +3476,7 @@
           <a:p>
             <a:fld id="{62B690D2-9F6C-4A40-B045-5871089CDE7B}" type="datetimeFigureOut">
               <a:rPr lang="zh-CN" altLang="en-US" smtClean="0"/>
-              <a:t>2019/9/15</a:t>
+              <a:t>2019/10/11</a:t>
             </a:fld>
             <a:endParaRPr lang="zh-CN" altLang="en-US"/>
           </a:p>
@@ -3743,6 +3743,90 @@
 </p:notesMaster>
 </file>
 
+<file path=ppt/notesSlides/notesSlide1.xml><?xml version="1.0" encoding="utf-8"?>
+<p:notes xmlns:a="http://schemas.openxmlformats.org/drawingml/2006/main" xmlns:r="http://schemas.openxmlformats.org/officeDocument/2006/relationships" xmlns:p="http://schemas.openxmlformats.org/presentationml/2006/main">
+  <p:cSld>
+    <p:spTree>
+      <p:nvGrpSpPr>
+        <p:cNvPr id="1" name=""/>
+        <p:cNvGrpSpPr/>
+        <p:nvPr/>
+      </p:nvGrpSpPr>
+      <p:grpSpPr>
+        <a:xfrm>
+          <a:off x="0" y="0"/>
+          <a:ext cx="0" cy="0"/>
+          <a:chOff x="0" y="0"/>
+          <a:chExt cx="0" cy="0"/>
+        </a:xfrm>
+      </p:grpSpPr>
+      <p:sp>
+        <p:nvSpPr>
+          <p:cNvPr id="2" name="幻灯片图像占位符 1"/>
+          <p:cNvSpPr>
+            <a:spLocks noGrp="1" noRot="1" noChangeAspect="1"/>
+          </p:cNvSpPr>
+          <p:nvPr>
+            <p:ph type="sldImg"/>
+          </p:nvPr>
+        </p:nvSpPr>
+        <p:spPr/>
+      </p:sp>
+      <p:sp>
+        <p:nvSpPr>
+          <p:cNvPr id="3" name="备注占位符 2"/>
+          <p:cNvSpPr>
+            <a:spLocks noGrp="1"/>
+          </p:cNvSpPr>
+          <p:nvPr>
+            <p:ph type="body" idx="1"/>
+          </p:nvPr>
+        </p:nvSpPr>
+        <p:spPr/>
+        <p:txBody>
+          <a:bodyPr/>
+          <a:lstStyle/>
+          <a:p>
+            <a:endParaRPr lang="zh-CN" altLang="en-US" dirty="0"/>
+          </a:p>
+        </p:txBody>
+      </p:sp>
+      <p:sp>
+        <p:nvSpPr>
+          <p:cNvPr id="4" name="灯片编号占位符 3"/>
+          <p:cNvSpPr>
+            <a:spLocks noGrp="1"/>
+          </p:cNvSpPr>
+          <p:nvPr>
+            <p:ph type="sldNum" sz="quarter" idx="5"/>
+          </p:nvPr>
+        </p:nvSpPr>
+        <p:spPr/>
+        <p:txBody>
+          <a:bodyPr/>
+          <a:lstStyle/>
+          <a:p>
+            <a:fld id="{FF6B7014-1CA7-42FF-9E69-87C27AE33F47}" type="slidenum">
+              <a:rPr lang="zh-CN" altLang="en-US" smtClean="0"/>
+              <a:t>1</a:t>
+            </a:fld>
+            <a:endParaRPr lang="zh-CN" altLang="en-US"/>
+          </a:p>
+        </p:txBody>
+      </p:sp>
+    </p:spTree>
+    <p:extLst>
+      <p:ext uri="{BB962C8B-B14F-4D97-AF65-F5344CB8AC3E}">
+        <p14:creationId xmlns:p14="http://schemas.microsoft.com/office/powerpoint/2010/main" val="1623672813"/>
+      </p:ext>
+    </p:extLst>
+  </p:cSld>
+  <p:clrMapOvr>
+    <a:masterClrMapping/>
+  </p:clrMapOvr>
+</p:notes>
+</file>
+
 <file path=ppt/slideLayouts/slideLayout1.xml><?xml version="1.0" encoding="utf-8"?>
 <p:sldLayout xmlns:a="http://schemas.openxmlformats.org/drawingml/2006/main" xmlns:r="http://schemas.openxmlformats.org/officeDocument/2006/relationships" xmlns:p="http://schemas.openxmlformats.org/presentationml/2006/main" type="title" preserve="1">
   <p:cSld name="标题幻灯片">
@@ -3926,7 +4010,7 @@
           <a:p>
             <a:fld id="{F0A08C6D-CA89-457F-88D7-56281A3E4E44}" type="datetimeFigureOut">
               <a:rPr lang="zh-CN" altLang="en-US" smtClean="0"/>
-              <a:t>2019/9/15</a:t>
+              <a:t>2019/10/11</a:t>
             </a:fld>
             <a:endParaRPr lang="zh-CN" altLang="en-US"/>
           </a:p>
@@ -6712,91 +6796,6 @@
       </p:sp>
       <p:sp>
         <p:nvSpPr>
-          <p:cNvPr id="9" name="副标题 2"/>
-          <p:cNvSpPr>
-            <a:spLocks noGrp="1"/>
-          </p:cNvSpPr>
-          <p:nvPr>
-            <p:ph type="subTitle" idx="4294967295"/>
-          </p:nvPr>
-        </p:nvSpPr>
-        <p:spPr>
-          <a:xfrm>
-            <a:off x="0" y="5068719"/>
-            <a:ext cx="6423467" cy="2047693"/>
-          </a:xfrm>
-        </p:spPr>
-        <p:txBody>
-          <a:bodyPr>
-            <a:noAutofit/>
-          </a:bodyPr>
-          <a:lstStyle/>
-          <a:p>
-            <a:pPr marL="0" indent="0" algn="r">
-              <a:buNone/>
-            </a:pPr>
-            <a:r>
-              <a:rPr lang="zh-CN" altLang="en-US" sz="2400" dirty="0">
-                <a:solidFill>
-                  <a:schemeClr val="tx1"/>
-                </a:solidFill>
-              </a:rPr>
-              <a:t>计算机学院</a:t>
-            </a:r>
-            <a:endParaRPr lang="en-US" altLang="zh-CN" sz="2400" dirty="0">
-              <a:solidFill>
-                <a:schemeClr val="tx1"/>
-              </a:solidFill>
-            </a:endParaRPr>
-          </a:p>
-          <a:p>
-            <a:pPr marL="0" indent="0" algn="r">
-              <a:buNone/>
-            </a:pPr>
-            <a:r>
-              <a:rPr lang="zh-CN" altLang="en-US" sz="2400" dirty="0">
-                <a:solidFill>
-                  <a:schemeClr val="tx1"/>
-                </a:solidFill>
-              </a:rPr>
-              <a:t>胡继承</a:t>
-            </a:r>
-            <a:endParaRPr lang="en-US" altLang="zh-CN" sz="2400" dirty="0">
-              <a:solidFill>
-                <a:schemeClr val="tx1"/>
-              </a:solidFill>
-            </a:endParaRPr>
-          </a:p>
-          <a:p>
-            <a:pPr marL="0" indent="0" algn="r">
-              <a:buNone/>
-            </a:pPr>
-            <a:r>
-              <a:rPr lang="en-US" altLang="zh-CN" sz="2400" dirty="0">
-                <a:solidFill>
-                  <a:schemeClr val="tx1"/>
-                </a:solidFill>
-              </a:rPr>
-              <a:t>jicheng @ yahoo . com</a:t>
-            </a:r>
-          </a:p>
-          <a:p>
-            <a:pPr marL="0" indent="0" algn="r">
-              <a:buNone/>
-            </a:pPr>
-            <a:r>
-              <a:rPr lang="en-US" altLang="zh-CN" sz="2400" dirty="0">
-                <a:solidFill>
-                  <a:schemeClr val="tx1"/>
-                </a:solidFill>
-              </a:rPr>
-              <a:t>https://github.com/jichenghu/</a:t>
-            </a:r>
-          </a:p>
-        </p:txBody>
-      </p:sp>
-      <p:sp>
-        <p:nvSpPr>
           <p:cNvPr id="4" name="文本框 3"/>
           <p:cNvSpPr txBox="1"/>
           <p:nvPr/>
@@ -6840,6 +6839,290 @@
                 <a:ea typeface="微软雅黑" panose="020B0503020204020204" pitchFamily="34" charset="-122"/>
               </a:rPr>
               <a:t>数据库应用程序</a:t>
+            </a:r>
+          </a:p>
+        </p:txBody>
+      </p:sp>
+      <p:sp>
+        <p:nvSpPr>
+          <p:cNvPr id="5" name="副标题 2">
+            <a:extLst>
+              <a:ext uri="{FF2B5EF4-FFF2-40B4-BE49-F238E27FC236}">
+                <a16:creationId xmlns:a16="http://schemas.microsoft.com/office/drawing/2014/main" id="{3EF54E97-7924-4AF6-AD31-CC8FE76D408A}"/>
+              </a:ext>
+            </a:extLst>
+          </p:cNvPr>
+          <p:cNvSpPr txBox="1">
+            <a:spLocks/>
+          </p:cNvSpPr>
+          <p:nvPr/>
+        </p:nvSpPr>
+        <p:spPr>
+          <a:xfrm>
+            <a:off x="0" y="5068719"/>
+            <a:ext cx="6423467" cy="2047693"/>
+          </a:xfrm>
+        </p:spPr>
+        <p:txBody>
+          <a:bodyPr>
+            <a:noAutofit/>
+          </a:bodyPr>
+          <a:lstStyle>
+            <a:lvl1pPr marL="228526" indent="-228526" algn="l" defTabSz="914103" rtl="0" eaLnBrk="1" latinLnBrk="0" hangingPunct="1">
+              <a:lnSpc>
+                <a:spcPct val="90000"/>
+              </a:lnSpc>
+              <a:spcBef>
+                <a:spcPts val="1000"/>
+              </a:spcBef>
+              <a:buFont typeface="Arial" panose="020B0604020202020204" pitchFamily="34" charset="0"/>
+              <a:buChar char="•"/>
+              <a:defRPr sz="2799" kern="1200">
+                <a:solidFill>
+                  <a:srgbClr val="002060"/>
+                </a:solidFill>
+                <a:latin typeface="微软雅黑" panose="020B0503020204020204" pitchFamily="34" charset="-122"/>
+                <a:ea typeface="微软雅黑" panose="020B0503020204020204" pitchFamily="34" charset="-122"/>
+                <a:cs typeface="+mn-cs"/>
+              </a:defRPr>
+            </a:lvl1pPr>
+            <a:lvl2pPr marL="685577" indent="-228526" algn="l" defTabSz="914103" rtl="0" eaLnBrk="1" latinLnBrk="0" hangingPunct="1">
+              <a:lnSpc>
+                <a:spcPct val="90000"/>
+              </a:lnSpc>
+              <a:spcBef>
+                <a:spcPts val="500"/>
+              </a:spcBef>
+              <a:buFont typeface="Arial" panose="020B0604020202020204" pitchFamily="34" charset="0"/>
+              <a:buChar char="•"/>
+              <a:defRPr sz="2399" kern="1200">
+                <a:solidFill>
+                  <a:srgbClr val="002060"/>
+                </a:solidFill>
+                <a:latin typeface="微软雅黑" panose="020B0503020204020204" pitchFamily="34" charset="-122"/>
+                <a:ea typeface="微软雅黑" panose="020B0503020204020204" pitchFamily="34" charset="-122"/>
+                <a:cs typeface="+mn-cs"/>
+              </a:defRPr>
+            </a:lvl2pPr>
+            <a:lvl3pPr marL="1142629" indent="-228526" algn="l" defTabSz="914103" rtl="0" eaLnBrk="1" latinLnBrk="0" hangingPunct="1">
+              <a:lnSpc>
+                <a:spcPct val="90000"/>
+              </a:lnSpc>
+              <a:spcBef>
+                <a:spcPts val="500"/>
+              </a:spcBef>
+              <a:buFont typeface="Arial" panose="020B0604020202020204" pitchFamily="34" charset="0"/>
+              <a:buChar char="•"/>
+              <a:defRPr sz="1999" kern="1200">
+                <a:solidFill>
+                  <a:srgbClr val="002060"/>
+                </a:solidFill>
+                <a:latin typeface="微软雅黑" panose="020B0503020204020204" pitchFamily="34" charset="-122"/>
+                <a:ea typeface="微软雅黑" panose="020B0503020204020204" pitchFamily="34" charset="-122"/>
+                <a:cs typeface="+mn-cs"/>
+              </a:defRPr>
+            </a:lvl3pPr>
+            <a:lvl4pPr marL="1599680" indent="-228526" algn="l" defTabSz="914103" rtl="0" eaLnBrk="1" latinLnBrk="0" hangingPunct="1">
+              <a:lnSpc>
+                <a:spcPct val="90000"/>
+              </a:lnSpc>
+              <a:spcBef>
+                <a:spcPts val="500"/>
+              </a:spcBef>
+              <a:buFont typeface="Arial" panose="020B0604020202020204" pitchFamily="34" charset="0"/>
+              <a:buChar char="•"/>
+              <a:defRPr sz="1799" kern="1200">
+                <a:solidFill>
+                  <a:srgbClr val="002060"/>
+                </a:solidFill>
+                <a:latin typeface="微软雅黑" panose="020B0503020204020204" pitchFamily="34" charset="-122"/>
+                <a:ea typeface="微软雅黑" panose="020B0503020204020204" pitchFamily="34" charset="-122"/>
+                <a:cs typeface="+mn-cs"/>
+              </a:defRPr>
+            </a:lvl4pPr>
+            <a:lvl5pPr marL="2056731" indent="-228526" algn="l" defTabSz="914103" rtl="0" eaLnBrk="1" latinLnBrk="0" hangingPunct="1">
+              <a:lnSpc>
+                <a:spcPct val="90000"/>
+              </a:lnSpc>
+              <a:spcBef>
+                <a:spcPts val="500"/>
+              </a:spcBef>
+              <a:buFont typeface="Arial" panose="020B0604020202020204" pitchFamily="34" charset="0"/>
+              <a:buChar char="•"/>
+              <a:defRPr sz="1799" kern="1200">
+                <a:solidFill>
+                  <a:srgbClr val="002060"/>
+                </a:solidFill>
+                <a:latin typeface="微软雅黑" panose="020B0503020204020204" pitchFamily="34" charset="-122"/>
+                <a:ea typeface="微软雅黑" panose="020B0503020204020204" pitchFamily="34" charset="-122"/>
+                <a:cs typeface="+mn-cs"/>
+              </a:defRPr>
+            </a:lvl5pPr>
+            <a:lvl6pPr marL="2513783" indent="-228526" algn="l" defTabSz="914103" rtl="0" eaLnBrk="1" latinLnBrk="0" hangingPunct="1">
+              <a:lnSpc>
+                <a:spcPct val="90000"/>
+              </a:lnSpc>
+              <a:spcBef>
+                <a:spcPts val="500"/>
+              </a:spcBef>
+              <a:buFont typeface="Arial" panose="020B0604020202020204" pitchFamily="34" charset="0"/>
+              <a:buChar char="•"/>
+              <a:defRPr sz="1799" kern="1200">
+                <a:solidFill>
+                  <a:schemeClr val="tx1"/>
+                </a:solidFill>
+                <a:latin typeface="+mn-lt"/>
+                <a:ea typeface="+mn-ea"/>
+                <a:cs typeface="+mn-cs"/>
+              </a:defRPr>
+            </a:lvl6pPr>
+            <a:lvl7pPr marL="2970834" indent="-228526" algn="l" defTabSz="914103" rtl="0" eaLnBrk="1" latinLnBrk="0" hangingPunct="1">
+              <a:lnSpc>
+                <a:spcPct val="90000"/>
+              </a:lnSpc>
+              <a:spcBef>
+                <a:spcPts val="500"/>
+              </a:spcBef>
+              <a:buFont typeface="Arial" panose="020B0604020202020204" pitchFamily="34" charset="0"/>
+              <a:buChar char="•"/>
+              <a:defRPr sz="1799" kern="1200">
+                <a:solidFill>
+                  <a:schemeClr val="tx1"/>
+                </a:solidFill>
+                <a:latin typeface="+mn-lt"/>
+                <a:ea typeface="+mn-ea"/>
+                <a:cs typeface="+mn-cs"/>
+              </a:defRPr>
+            </a:lvl7pPr>
+            <a:lvl8pPr marL="3428732" indent="-228526" algn="l" defTabSz="914103" rtl="0" eaLnBrk="1" latinLnBrk="0" hangingPunct="1">
+              <a:lnSpc>
+                <a:spcPct val="90000"/>
+              </a:lnSpc>
+              <a:spcBef>
+                <a:spcPts val="500"/>
+              </a:spcBef>
+              <a:buFont typeface="Arial" panose="020B0604020202020204" pitchFamily="34" charset="0"/>
+              <a:buChar char="•"/>
+              <a:defRPr sz="1799" kern="1200">
+                <a:solidFill>
+                  <a:schemeClr val="tx1"/>
+                </a:solidFill>
+                <a:latin typeface="+mn-lt"/>
+                <a:ea typeface="+mn-ea"/>
+                <a:cs typeface="+mn-cs"/>
+              </a:defRPr>
+            </a:lvl8pPr>
+            <a:lvl9pPr marL="3885783" indent="-228526" algn="l" defTabSz="914103" rtl="0" eaLnBrk="1" latinLnBrk="0" hangingPunct="1">
+              <a:lnSpc>
+                <a:spcPct val="90000"/>
+              </a:lnSpc>
+              <a:spcBef>
+                <a:spcPts val="500"/>
+              </a:spcBef>
+              <a:buFont typeface="Arial" panose="020B0604020202020204" pitchFamily="34" charset="0"/>
+              <a:buChar char="•"/>
+              <a:defRPr sz="1799" kern="1200">
+                <a:solidFill>
+                  <a:schemeClr val="tx1"/>
+                </a:solidFill>
+                <a:latin typeface="+mn-lt"/>
+                <a:ea typeface="+mn-ea"/>
+                <a:cs typeface="+mn-cs"/>
+              </a:defRPr>
+            </a:lvl9pPr>
+          </a:lstStyle>
+          <a:p>
+            <a:pPr marL="0" indent="0" algn="r">
+              <a:buFont typeface="Arial" panose="020B0604020202020204" pitchFamily="34" charset="0"/>
+              <a:buNone/>
+            </a:pPr>
+            <a:r>
+              <a:rPr lang="zh-CN" altLang="en-US" sz="2400" dirty="0">
+                <a:solidFill>
+                  <a:schemeClr val="accent2">
+                    <a:lumMod val="50000"/>
+                  </a:schemeClr>
+                </a:solidFill>
+              </a:rPr>
+              <a:t>计算机学院</a:t>
+            </a:r>
+            <a:endParaRPr lang="en-US" altLang="zh-CN" sz="2400" dirty="0">
+              <a:solidFill>
+                <a:schemeClr val="accent2">
+                  <a:lumMod val="50000"/>
+                </a:schemeClr>
+              </a:solidFill>
+            </a:endParaRPr>
+          </a:p>
+          <a:p>
+            <a:pPr marL="0" indent="0" algn="r">
+              <a:buFont typeface="Arial" panose="020B0604020202020204" pitchFamily="34" charset="0"/>
+              <a:buNone/>
+            </a:pPr>
+            <a:r>
+              <a:rPr lang="zh-CN" altLang="en-US" sz="2400" dirty="0">
+                <a:solidFill>
+                  <a:schemeClr val="accent2">
+                    <a:lumMod val="50000"/>
+                  </a:schemeClr>
+                </a:solidFill>
+              </a:rPr>
+              <a:t>胡继承</a:t>
+            </a:r>
+            <a:endParaRPr lang="en-US" altLang="zh-CN" sz="2400" dirty="0">
+              <a:solidFill>
+                <a:schemeClr val="accent2">
+                  <a:lumMod val="50000"/>
+                </a:schemeClr>
+              </a:solidFill>
+            </a:endParaRPr>
+          </a:p>
+          <a:p>
+            <a:pPr marL="0" indent="0" algn="r">
+              <a:buFont typeface="Arial" panose="020B0604020202020204" pitchFamily="34" charset="0"/>
+              <a:buNone/>
+            </a:pPr>
+            <a:r>
+              <a:rPr lang="en-US" altLang="zh-CN" sz="2400" dirty="0" err="1">
+                <a:solidFill>
+                  <a:schemeClr val="accent2">
+                    <a:lumMod val="50000"/>
+                  </a:schemeClr>
+                </a:solidFill>
+                <a:latin typeface="Arial" panose="020B0604020202020204" pitchFamily="34" charset="0"/>
+                <a:cs typeface="Arial" panose="020B0604020202020204" pitchFamily="34" charset="0"/>
+              </a:rPr>
+              <a:t>jicheng</a:t>
+            </a:r>
+            <a:r>
+              <a:rPr lang="en-US" altLang="zh-CN" sz="2400" dirty="0">
+                <a:solidFill>
+                  <a:schemeClr val="accent2">
+                    <a:lumMod val="50000"/>
+                  </a:schemeClr>
+                </a:solidFill>
+                <a:latin typeface="Arial" panose="020B0604020202020204" pitchFamily="34" charset="0"/>
+                <a:cs typeface="Arial" panose="020B0604020202020204" pitchFamily="34" charset="0"/>
+              </a:rPr>
+              <a:t> @ yahoo . com</a:t>
+            </a:r>
+          </a:p>
+          <a:p>
+            <a:pPr marL="0" indent="0" algn="r">
+              <a:buFont typeface="Arial" panose="020B0604020202020204" pitchFamily="34" charset="0"/>
+              <a:buNone/>
+            </a:pPr>
+            <a:r>
+              <a:rPr lang="en-US" altLang="zh-CN" sz="2400" dirty="0">
+                <a:solidFill>
+                  <a:schemeClr val="accent2">
+                    <a:lumMod val="50000"/>
+                  </a:schemeClr>
+                </a:solidFill>
+                <a:latin typeface="Arial" panose="020B0604020202020204" pitchFamily="34" charset="0"/>
+                <a:cs typeface="Arial" panose="020B0604020202020204" pitchFamily="34" charset="0"/>
+              </a:rPr>
+              <a:t>https://github.com/programming-windows/</a:t>
             </a:r>
           </a:p>
         </p:txBody>
@@ -13130,7 +13413,7 @@
           <a:graphicData uri="http://schemas.openxmlformats.org/presentationml/2006/ole">
             <mc:AlternateContent xmlns:mc="http://schemas.openxmlformats.org/markup-compatibility/2006">
               <mc:Choice xmlns:v="urn:schemas-microsoft-com:vml" Requires="v">
-                <p:oleObj spid="_x0000_s1046" name="Visio" r:id="rId3" imgW="4066845" imgH="2446550" progId="Visio.Drawing.11">
+                <p:oleObj spid="_x0000_s1049" name="Visio" r:id="rId3" imgW="4066845" imgH="2446550" progId="Visio.Drawing.11">
                   <p:embed/>
                 </p:oleObj>
               </mc:Choice>
@@ -20550,7 +20833,7 @@
           <a:p>
             <a:r>
               <a:rPr lang="zh-CN" altLang="en-US" dirty="0"/>
-              <a:t>上机练习作业</a:t>
+              <a:t>实验课上机练习作业</a:t>
             </a:r>
           </a:p>
         </p:txBody>
@@ -20712,28 +20995,8 @@
           <a:p>
             <a:pPr lvl="1"/>
             <a:r>
-              <a:rPr lang="en-US" altLang="zh-CN" dirty="0"/>
-              <a:t>12</a:t>
-            </a:r>
-            <a:r>
               <a:rPr lang="zh-CN" altLang="en-US" dirty="0"/>
-              <a:t>月</a:t>
-            </a:r>
-            <a:r>
-              <a:rPr lang="en-US" altLang="zh-CN" dirty="0"/>
-              <a:t>16</a:t>
-            </a:r>
-            <a:r>
-              <a:rPr lang="zh-CN" altLang="en-US" dirty="0"/>
-              <a:t>日 星期天 晚</a:t>
-            </a:r>
-            <a:endParaRPr lang="en-US" altLang="zh-CN" dirty="0"/>
-          </a:p>
-          <a:p>
-            <a:pPr lvl="1"/>
-            <a:r>
-              <a:rPr lang="zh-CN" altLang="en-US" dirty="0"/>
-              <a:t>地点等待教务通知</a:t>
+              <a:t>时间、地点等待教务通知</a:t>
             </a:r>
             <a:endParaRPr lang="en-US" altLang="zh-CN" dirty="0"/>
           </a:p>
@@ -20751,7 +21014,7 @@
             <a:pPr lvl="1"/>
             <a:r>
               <a:rPr lang="zh-CN" altLang="en-US" dirty="0"/>
-              <a:t>最后的题目要求已经上传至 </a:t>
+              <a:t>最后的题目要求将上传至 </a:t>
             </a:r>
             <a:r>
               <a:rPr lang="en-US" altLang="zh-CN" dirty="0" err="1"/>
@@ -20771,23 +21034,7 @@
             </a:r>
             <a:r>
               <a:rPr lang="zh-CN" altLang="en-US" dirty="0"/>
-              <a:t>年</a:t>
-            </a:r>
-            <a:r>
-              <a:rPr lang="en-US" altLang="zh-CN" dirty="0"/>
-              <a:t>12</a:t>
-            </a:r>
-            <a:r>
-              <a:rPr lang="zh-CN" altLang="en-US" dirty="0"/>
-              <a:t>月</a:t>
-            </a:r>
-            <a:r>
-              <a:rPr lang="en-US" altLang="zh-CN" dirty="0"/>
-              <a:t>16</a:t>
-            </a:r>
-            <a:r>
-              <a:rPr lang="zh-CN" altLang="en-US" dirty="0"/>
-              <a:t>日</a:t>
+              <a:t>年月日</a:t>
             </a:r>
             <a:endParaRPr lang="en-US" altLang="zh-CN" dirty="0"/>
           </a:p>
